--- a/Final Report/block diagram BMMDKF.pptx
+++ b/Final Report/block diagram BMMDKF.pptx
@@ -104,6 +104,11 @@
       </a:defRPr>
     </a:lvl9pPr>
   </p:defaultTextStyle>
+  <p:extLst>
+    <p:ext uri="{EFAFB233-063F-42B5-8137-9DF3F51BA10A}">
+      <p15:sldGuideLst xmlns:p15="http://schemas.microsoft.com/office/powerpoint/2012/main"/>
+    </p:ext>
+  </p:extLst>
 </p:presentation>
 </file>
 
@@ -2972,7 +2977,7 @@
         </p:nvSpPr>
         <p:spPr>
           <a:xfrm>
-            <a:off x="1286819" y="781565"/>
+            <a:off x="2422737" y="734310"/>
             <a:ext cx="778476" cy="923330"/>
           </a:xfrm>
           <a:prstGeom prst="rect">
@@ -3007,8 +3012,8 @@
           </a:p>
         </p:txBody>
       </p:sp>
-      <mc:AlternateContent xmlns:mc="http://schemas.openxmlformats.org/markup-compatibility/2006">
-        <mc:Choice xmlns:a14="http://schemas.microsoft.com/office/drawing/2010/main" Requires="a14">
+      <mc:AlternateContent xmlns:mc="http://schemas.openxmlformats.org/markup-compatibility/2006" xmlns:a14="http://schemas.microsoft.com/office/drawing/2010/main">
+        <mc:Choice Requires="a14">
           <p:sp>
             <p:nvSpPr>
               <p:cNvPr id="6" name="TextBox 5"/>
@@ -3017,7 +3022,7 @@
             </p:nvSpPr>
             <p:spPr>
               <a:xfrm>
-                <a:off x="626555" y="865832"/>
+                <a:off x="1776086" y="826643"/>
                 <a:ext cx="627017" cy="369332"/>
               </a:xfrm>
               <a:prstGeom prst="rect">
@@ -3031,6 +3036,7 @@
               </a:bodyPr>
               <a:lstStyle/>
               <a:p>
+                <a:pPr/>
                 <a14:m>
                   <m:oMathPara xmlns:m="http://schemas.openxmlformats.org/officeDocument/2006/math">
                     <m:oMathParaPr>
@@ -3069,7 +3075,7 @@
             </p:txBody>
           </p:sp>
         </mc:Choice>
-        <mc:Fallback>
+        <mc:Fallback xmlns="">
           <p:sp>
             <p:nvSpPr>
               <p:cNvPr id="6" name="TextBox 5"/>
@@ -3080,7 +3086,7 @@
             </p:nvSpPr>
             <p:spPr>
               <a:xfrm>
-                <a:off x="626555" y="865832"/>
+                <a:off x="1776086" y="826643"/>
                 <a:ext cx="627017" cy="369332"/>
               </a:xfrm>
               <a:prstGeom prst="rect">
@@ -3089,7 +3095,7 @@
               <a:blipFill rotWithShape="0">
                 <a:blip r:embed="rId2"/>
                 <a:stretch>
-                  <a:fillRect r="-5825" b="-13115"/>
+                  <a:fillRect r="-5825" b="-13333"/>
                 </a:stretch>
               </a:blipFill>
             </p:spPr>
@@ -3118,7 +3124,7 @@
         </p:nvCxnSpPr>
         <p:spPr>
           <a:xfrm>
-            <a:off x="659802" y="1243230"/>
+            <a:off x="1795720" y="1195975"/>
             <a:ext cx="627017" cy="0"/>
           </a:xfrm>
           <a:prstGeom prst="straightConnector1">
@@ -3146,8 +3152,8 @@
           </a:fontRef>
         </p:style>
       </p:cxnSp>
-      <mc:AlternateContent xmlns:mc="http://schemas.openxmlformats.org/markup-compatibility/2006">
-        <mc:Choice xmlns:a14="http://schemas.microsoft.com/office/drawing/2010/main" Requires="a14">
+      <mc:AlternateContent xmlns:mc="http://schemas.openxmlformats.org/markup-compatibility/2006" xmlns:a14="http://schemas.microsoft.com/office/drawing/2010/main">
+        <mc:Choice Requires="a14">
           <p:sp>
             <p:nvSpPr>
               <p:cNvPr id="15" name="TextBox 14"/>
@@ -3156,7 +3162,7 @@
             </p:nvSpPr>
             <p:spPr>
               <a:xfrm>
-                <a:off x="2295356" y="633255"/>
+                <a:off x="3289428" y="609111"/>
                 <a:ext cx="837201" cy="369332"/>
               </a:xfrm>
               <a:prstGeom prst="rect">
@@ -3170,6 +3176,7 @@
               </a:bodyPr>
               <a:lstStyle/>
               <a:p>
+                <a:pPr/>
                 <a14:m>
                   <m:oMathPara xmlns:m="http://schemas.openxmlformats.org/officeDocument/2006/math">
                     <m:oMathParaPr>
@@ -3223,7 +3230,7 @@
             </p:txBody>
           </p:sp>
         </mc:Choice>
-        <mc:Fallback>
+        <mc:Fallback xmlns="">
           <p:sp>
             <p:nvSpPr>
               <p:cNvPr id="15" name="TextBox 14"/>
@@ -3234,7 +3241,7 @@
             </p:nvSpPr>
             <p:spPr>
               <a:xfrm>
-                <a:off x="2295356" y="633255"/>
+                <a:off x="3289428" y="609111"/>
                 <a:ext cx="837201" cy="369332"/>
               </a:xfrm>
               <a:prstGeom prst="rect">
@@ -3243,7 +3250,7 @@
               <a:blipFill rotWithShape="0">
                 <a:blip r:embed="rId3"/>
                 <a:stretch>
-                  <a:fillRect r="-7299" b="-13333"/>
+                  <a:fillRect r="-7299" b="-11475"/>
                 </a:stretch>
               </a:blipFill>
             </p:spPr>
@@ -3262,8 +3269,8 @@
           </p:sp>
         </mc:Fallback>
       </mc:AlternateContent>
-      <mc:AlternateContent xmlns:mc="http://schemas.openxmlformats.org/markup-compatibility/2006">
-        <mc:Choice xmlns:a14="http://schemas.microsoft.com/office/drawing/2010/main" Requires="a14">
+      <mc:AlternateContent xmlns:mc="http://schemas.openxmlformats.org/markup-compatibility/2006" xmlns:a14="http://schemas.microsoft.com/office/drawing/2010/main">
+        <mc:Choice Requires="a14">
           <p:sp>
             <p:nvSpPr>
               <p:cNvPr id="16" name="TextBox 15"/>
@@ -3272,7 +3279,7 @@
             </p:nvSpPr>
             <p:spPr>
               <a:xfrm>
-                <a:off x="2058762" y="1121748"/>
+                <a:off x="3247177" y="1028428"/>
                 <a:ext cx="937349" cy="369332"/>
               </a:xfrm>
               <a:prstGeom prst="rect">
@@ -3286,6 +3293,7 @@
               </a:bodyPr>
               <a:lstStyle/>
               <a:p>
+                <a:pPr/>
                 <a14:m>
                   <m:oMathPara xmlns:m="http://schemas.openxmlformats.org/officeDocument/2006/math">
                     <m:oMathParaPr>
@@ -3342,7 +3350,7 @@
             </p:txBody>
           </p:sp>
         </mc:Choice>
-        <mc:Fallback>
+        <mc:Fallback xmlns="">
           <p:sp>
             <p:nvSpPr>
               <p:cNvPr id="16" name="TextBox 15"/>
@@ -3353,7 +3361,7 @@
             </p:nvSpPr>
             <p:spPr>
               <a:xfrm>
-                <a:off x="2058762" y="1121748"/>
+                <a:off x="3247177" y="1028428"/>
                 <a:ext cx="937349" cy="369332"/>
               </a:xfrm>
               <a:prstGeom prst="rect">
@@ -3362,7 +3370,7 @@
               <a:blipFill rotWithShape="0">
                 <a:blip r:embed="rId4"/>
                 <a:stretch>
-                  <a:fillRect l="-1961" r="-11111" b="-13115"/>
+                  <a:fillRect l="-1961" r="-11111" b="-13333"/>
                 </a:stretch>
               </a:blipFill>
             </p:spPr>
@@ -3388,9 +3396,9 @@
           <p:nvPr/>
         </p:nvCxnSpPr>
         <p:spPr>
-          <a:xfrm>
-            <a:off x="2065295" y="1016863"/>
-            <a:ext cx="8170905" cy="873"/>
+          <a:xfrm flipV="1">
+            <a:off x="3219566" y="978547"/>
+            <a:ext cx="7029697" cy="0"/>
           </a:xfrm>
           <a:prstGeom prst="straightConnector1">
             <a:avLst/>
@@ -3417,41 +3425,6 @@
           </a:fontRef>
         </p:style>
       </p:cxnSp>
-      <p:sp>
-        <p:nvSpPr>
-          <p:cNvPr id="21" name="TextBox 20"/>
-          <p:cNvSpPr txBox="1"/>
-          <p:nvPr/>
-        </p:nvSpPr>
-        <p:spPr>
-          <a:xfrm>
-            <a:off x="3041829" y="1239069"/>
-            <a:ext cx="875212" cy="369332"/>
-          </a:xfrm>
-          <a:prstGeom prst="rect">
-            <a:avLst/>
-          </a:prstGeom>
-          <a:noFill/>
-          <a:ln>
-            <a:solidFill>
-              <a:schemeClr val="tx1"/>
-            </a:solidFill>
-          </a:ln>
-        </p:spPr>
-        <p:txBody>
-          <a:bodyPr wrap="square" rtlCol="0">
-            <a:spAutoFit/>
-          </a:bodyPr>
-          <a:lstStyle/>
-          <a:p>
-            <a:pPr algn="ctr"/>
-            <a:r>
-              <a:rPr lang="en-GB" dirty="0" smtClean="0"/>
-              <a:t>MMSE</a:t>
-            </a:r>
-          </a:p>
-        </p:txBody>
-      </p:sp>
       <p:cxnSp>
         <p:nvCxnSpPr>
           <p:cNvPr id="27" name="Straight Arrow Connector 26"/>
@@ -3459,9 +3432,9 @@
           <p:nvPr/>
         </p:nvCxnSpPr>
         <p:spPr>
-          <a:xfrm>
-            <a:off x="3926839" y="1393139"/>
-            <a:ext cx="2286000" cy="0"/>
+          <a:xfrm flipV="1">
+            <a:off x="3206503" y="1393139"/>
+            <a:ext cx="3006336" cy="0"/>
           </a:xfrm>
           <a:prstGeom prst="straightConnector1">
             <a:avLst/>
@@ -3488,125 +3461,6 @@
           </a:fontRef>
         </p:style>
       </p:cxnSp>
-      <mc:AlternateContent xmlns:mc="http://schemas.openxmlformats.org/markup-compatibility/2006">
-        <mc:Choice xmlns:a14="http://schemas.microsoft.com/office/drawing/2010/main" Requires="a14">
-          <p:sp>
-            <p:nvSpPr>
-              <p:cNvPr id="28" name="TextBox 27"/>
-              <p:cNvSpPr txBox="1"/>
-              <p:nvPr/>
-            </p:nvSpPr>
-            <p:spPr>
-              <a:xfrm>
-                <a:off x="3936632" y="1029947"/>
-                <a:ext cx="937349" cy="369332"/>
-              </a:xfrm>
-              <a:prstGeom prst="rect">
-                <a:avLst/>
-              </a:prstGeom>
-              <a:noFill/>
-            </p:spPr>
-            <p:txBody>
-              <a:bodyPr wrap="square" rtlCol="0">
-                <a:spAutoFit/>
-              </a:bodyPr>
-              <a:lstStyle/>
-              <a:p>
-                <a14:m>
-                  <m:oMathPara xmlns:m="http://schemas.openxmlformats.org/officeDocument/2006/math">
-                    <m:oMathParaPr>
-                      <m:jc m:val="centerGroup"/>
-                    </m:oMathParaPr>
-                    <m:oMath xmlns:m="http://schemas.openxmlformats.org/officeDocument/2006/math">
-                      <m:r>
-                        <a:rPr lang="en-GB" i="1" dirty="0" smtClean="0">
-                          <a:latin typeface="Cambria Math" panose="02040503050406030204" pitchFamily="18" charset="0"/>
-                        </a:rPr>
-                        <m:t>|</m:t>
-                      </m:r>
-                      <m:r>
-                        <a:rPr lang="en-GB" i="1" dirty="0" smtClean="0">
-                          <a:latin typeface="Cambria Math" panose="02040503050406030204" pitchFamily="18" charset="0"/>
-                        </a:rPr>
-                        <m:t>𝑍</m:t>
-                      </m:r>
-                      <m:r>
-                        <a:rPr lang="en-GB" i="1" dirty="0" smtClean="0">
-                          <a:latin typeface="Cambria Math" panose="02040503050406030204" pitchFamily="18" charset="0"/>
-                        </a:rPr>
-                        <m:t>(</m:t>
-                      </m:r>
-                      <m:r>
-                        <a:rPr lang="en-GB" i="1" dirty="0" err="1" smtClean="0">
-                          <a:latin typeface="Cambria Math" panose="02040503050406030204" pitchFamily="18" charset="0"/>
-                        </a:rPr>
-                        <m:t>𝑛</m:t>
-                      </m:r>
-                      <m:r>
-                        <a:rPr lang="en-GB" i="1" dirty="0" err="1" smtClean="0">
-                          <a:latin typeface="Cambria Math" panose="02040503050406030204" pitchFamily="18" charset="0"/>
-                        </a:rPr>
-                        <m:t>,</m:t>
-                      </m:r>
-                      <m:r>
-                        <a:rPr lang="en-GB" i="1" dirty="0" err="1" smtClean="0">
-                          <a:latin typeface="Cambria Math" panose="02040503050406030204" pitchFamily="18" charset="0"/>
-                        </a:rPr>
-                        <m:t>𝑘</m:t>
-                      </m:r>
-                      <m:r>
-                        <a:rPr lang="en-GB" i="1" dirty="0" smtClean="0">
-                          <a:latin typeface="Cambria Math" panose="02040503050406030204" pitchFamily="18" charset="0"/>
-                        </a:rPr>
-                        <m:t>)|</m:t>
-                      </m:r>
-                    </m:oMath>
-                  </m:oMathPara>
-                </a14:m>
-                <a:endParaRPr lang="en-GB" dirty="0"/>
-              </a:p>
-            </p:txBody>
-          </p:sp>
-        </mc:Choice>
-        <mc:Fallback>
-          <p:sp>
-            <p:nvSpPr>
-              <p:cNvPr id="28" name="TextBox 27"/>
-              <p:cNvSpPr txBox="1">
-                <a:spLocks noRot="1" noChangeAspect="1" noMove="1" noResize="1" noEditPoints="1" noAdjustHandles="1" noChangeArrowheads="1" noChangeShapeType="1" noTextEdit="1"/>
-              </p:cNvSpPr>
-              <p:nvPr/>
-            </p:nvSpPr>
-            <p:spPr>
-              <a:xfrm>
-                <a:off x="3936632" y="1029947"/>
-                <a:ext cx="937349" cy="369332"/>
-              </a:xfrm>
-              <a:prstGeom prst="rect">
-                <a:avLst/>
-              </a:prstGeom>
-              <a:blipFill rotWithShape="0">
-                <a:blip r:embed="rId5"/>
-                <a:stretch>
-                  <a:fillRect l="-1948" r="-10390" b="-11475"/>
-                </a:stretch>
-              </a:blipFill>
-            </p:spPr>
-            <p:txBody>
-              <a:bodyPr/>
-              <a:lstStyle/>
-              <a:p>
-                <a:r>
-                  <a:rPr lang="en-GB">
-                    <a:noFill/>
-                  </a:rPr>
-                  <a:t> </a:t>
-                </a:r>
-              </a:p>
-            </p:txBody>
-          </p:sp>
-        </mc:Fallback>
-      </mc:AlternateContent>
       <p:cxnSp>
         <p:nvCxnSpPr>
           <p:cNvPr id="37" name="Straight Arrow Connector 36"/>
@@ -3651,8 +3505,8 @@
         </p:nvSpPr>
         <p:spPr>
           <a:xfrm>
-            <a:off x="4473565" y="2756370"/>
-            <a:ext cx="1376781" cy="923330"/>
+            <a:off x="4473565" y="2952315"/>
+            <a:ext cx="1376781" cy="646331"/>
           </a:xfrm>
           <a:prstGeom prst="rect">
             <a:avLst/>
@@ -3673,7 +3527,7 @@
             <a:pPr algn="ctr"/>
             <a:r>
               <a:rPr lang="en-GB" dirty="0" smtClean="0"/>
-              <a:t>Modulation-domain speech LPCs</a:t>
+              <a:t>Estimate noise power</a:t>
             </a:r>
           </a:p>
         </p:txBody>
@@ -3686,8 +3540,8 @@
         </p:nvCxnSpPr>
         <p:spPr>
           <a:xfrm>
-            <a:off x="4113566" y="4354884"/>
-            <a:ext cx="360000" cy="0"/>
+            <a:off x="3708028" y="4337961"/>
+            <a:ext cx="765538" cy="0"/>
           </a:xfrm>
           <a:prstGeom prst="straightConnector1">
             <a:avLst/>
@@ -3722,8 +3576,8 @@
         </p:nvSpPr>
         <p:spPr>
           <a:xfrm>
-            <a:off x="4473565" y="4030102"/>
-            <a:ext cx="1376781" cy="646331"/>
+            <a:off x="4473565" y="3918889"/>
+            <a:ext cx="1376781" cy="923330"/>
           </a:xfrm>
           <a:prstGeom prst="rect">
             <a:avLst/>
@@ -3744,7 +3598,7 @@
             <a:pPr algn="ctr"/>
             <a:r>
               <a:rPr lang="en-GB" dirty="0" smtClean="0"/>
-              <a:t>Estimate noise power</a:t>
+              <a:t>Modulation-domain speech LPCs</a:t>
             </a:r>
           </a:p>
         </p:txBody>
@@ -3758,7 +3612,7 @@
         <p:spPr>
           <a:xfrm>
             <a:off x="4113566" y="1392931"/>
-            <a:ext cx="0" cy="2953986"/>
+            <a:ext cx="0" cy="1884166"/>
           </a:xfrm>
           <a:prstGeom prst="line">
             <a:avLst/>
@@ -3869,9 +3723,9 @@
           <p:nvPr/>
         </p:nvCxnSpPr>
         <p:spPr>
-          <a:xfrm flipV="1">
-            <a:off x="6790871" y="2701266"/>
-            <a:ext cx="0" cy="516769"/>
+          <a:xfrm flipH="1" flipV="1">
+            <a:off x="6790871" y="2701267"/>
+            <a:ext cx="0" cy="572085"/>
           </a:xfrm>
           <a:prstGeom prst="straightConnector1">
             <a:avLst/>
@@ -3942,8 +3796,8 @@
           <p:nvPr/>
         </p:nvCxnSpPr>
         <p:spPr>
-          <a:xfrm>
-            <a:off x="5850346" y="3218035"/>
+          <a:xfrm flipV="1">
+            <a:off x="5850346" y="3273352"/>
             <a:ext cx="940525" cy="0"/>
           </a:xfrm>
           <a:prstGeom prst="line">
@@ -4006,8 +3860,8 @@
           </a:fontRef>
         </p:style>
       </p:cxnSp>
-      <mc:AlternateContent xmlns:mc="http://schemas.openxmlformats.org/markup-compatibility/2006">
-        <mc:Choice xmlns:a14="http://schemas.microsoft.com/office/drawing/2010/main" Requires="a14">
+      <mc:AlternateContent xmlns:mc="http://schemas.openxmlformats.org/markup-compatibility/2006" xmlns:a14="http://schemas.microsoft.com/office/drawing/2010/main">
+        <mc:Choice Requires="a14">
           <p:sp>
             <p:nvSpPr>
               <p:cNvPr id="73" name="TextBox 72"/>
@@ -4016,7 +3870,7 @@
             </p:nvSpPr>
             <p:spPr>
               <a:xfrm>
-                <a:off x="5963874" y="2848704"/>
+                <a:off x="6275253" y="3986861"/>
                 <a:ext cx="763177" cy="369332"/>
               </a:xfrm>
               <a:prstGeom prst="rect">
@@ -4030,6 +3884,7 @@
               </a:bodyPr>
               <a:lstStyle/>
               <a:p>
+                <a:pPr/>
                 <a14:m>
                   <m:oMathPara xmlns:m="http://schemas.openxmlformats.org/officeDocument/2006/math">
                     <m:oMathParaPr>
@@ -4068,7 +3923,7 @@
             </p:txBody>
           </p:sp>
         </mc:Choice>
-        <mc:Fallback>
+        <mc:Fallback xmlns="">
           <p:sp>
             <p:nvSpPr>
               <p:cNvPr id="73" name="TextBox 72"/>
@@ -4079,14 +3934,14 @@
             </p:nvSpPr>
             <p:spPr>
               <a:xfrm>
-                <a:off x="5963874" y="2848704"/>
+                <a:off x="6275253" y="3986861"/>
                 <a:ext cx="763177" cy="369332"/>
               </a:xfrm>
               <a:prstGeom prst="rect">
                 <a:avLst/>
               </a:prstGeom>
               <a:blipFill rotWithShape="0">
-                <a:blip r:embed="rId6"/>
+                <a:blip r:embed="rId5"/>
                 <a:stretch>
                   <a:fillRect b="-13115"/>
                 </a:stretch>
@@ -4107,8 +3962,8 @@
           </p:sp>
         </mc:Fallback>
       </mc:AlternateContent>
-      <mc:AlternateContent xmlns:mc="http://schemas.openxmlformats.org/markup-compatibility/2006">
-        <mc:Choice xmlns:a14="http://schemas.microsoft.com/office/drawing/2010/main" Requires="a14">
+      <mc:AlternateContent xmlns:mc="http://schemas.openxmlformats.org/markup-compatibility/2006" xmlns:a14="http://schemas.microsoft.com/office/drawing/2010/main">
+        <mc:Choice Requires="a14">
           <p:sp>
             <p:nvSpPr>
               <p:cNvPr id="74" name="TextBox 73"/>
@@ -4117,7 +3972,7 @@
             </p:nvSpPr>
             <p:spPr>
               <a:xfrm>
-                <a:off x="5957979" y="3167208"/>
+                <a:off x="6316348" y="4337961"/>
                 <a:ext cx="763177" cy="422552"/>
               </a:xfrm>
               <a:prstGeom prst="rect">
@@ -4131,6 +3986,7 @@
               </a:bodyPr>
               <a:lstStyle/>
               <a:p>
+                <a:pPr/>
                 <a14:m>
                   <m:oMathPara xmlns:m="http://schemas.openxmlformats.org/officeDocument/2006/math">
                     <m:oMathParaPr>
@@ -4197,7 +4053,7 @@
             </p:txBody>
           </p:sp>
         </mc:Choice>
-        <mc:Fallback>
+        <mc:Fallback xmlns="">
           <p:sp>
             <p:nvSpPr>
               <p:cNvPr id="74" name="TextBox 73"/>
@@ -4208,14 +4064,14 @@
             </p:nvSpPr>
             <p:spPr>
               <a:xfrm>
-                <a:off x="5957979" y="3167208"/>
+                <a:off x="6316348" y="4337961"/>
                 <a:ext cx="763177" cy="422552"/>
               </a:xfrm>
               <a:prstGeom prst="rect">
                 <a:avLst/>
               </a:prstGeom>
               <a:blipFill rotWithShape="0">
-                <a:blip r:embed="rId7"/>
+                <a:blip r:embed="rId6"/>
                 <a:stretch>
                   <a:fillRect b="-8696"/>
                 </a:stretch>
@@ -4236,8 +4092,8 @@
           </p:sp>
         </mc:Fallback>
       </mc:AlternateContent>
-      <mc:AlternateContent xmlns:mc="http://schemas.openxmlformats.org/markup-compatibility/2006">
-        <mc:Choice xmlns:a14="http://schemas.microsoft.com/office/drawing/2010/main" Requires="a14">
+      <mc:AlternateContent xmlns:mc="http://schemas.openxmlformats.org/markup-compatibility/2006" xmlns:a14="http://schemas.microsoft.com/office/drawing/2010/main">
+        <mc:Choice Requires="a14">
           <p:sp>
             <p:nvSpPr>
               <p:cNvPr id="75" name="TextBox 74"/>
@@ -4246,7 +4102,7 @@
             </p:nvSpPr>
             <p:spPr>
               <a:xfrm>
-                <a:off x="6093461" y="3927541"/>
+                <a:off x="5952245" y="2827515"/>
                 <a:ext cx="763177" cy="422552"/>
               </a:xfrm>
               <a:prstGeom prst="rect">
@@ -4260,6 +4116,7 @@
               </a:bodyPr>
               <a:lstStyle/>
               <a:p>
+                <a:pPr/>
                 <a14:m>
                   <m:oMathPara xmlns:m="http://schemas.openxmlformats.org/officeDocument/2006/math">
                     <m:oMathParaPr>
@@ -4326,7 +4183,7 @@
             </p:txBody>
           </p:sp>
         </mc:Choice>
-        <mc:Fallback>
+        <mc:Fallback xmlns="">
           <p:sp>
             <p:nvSpPr>
               <p:cNvPr id="75" name="TextBox 74"/>
@@ -4337,16 +4194,16 @@
             </p:nvSpPr>
             <p:spPr>
               <a:xfrm>
-                <a:off x="6093461" y="3927541"/>
+                <a:off x="5952245" y="2827515"/>
                 <a:ext cx="763177" cy="422552"/>
               </a:xfrm>
               <a:prstGeom prst="rect">
                 <a:avLst/>
               </a:prstGeom>
               <a:blipFill rotWithShape="0">
-                <a:blip r:embed="rId8"/>
+                <a:blip r:embed="rId7"/>
                 <a:stretch>
-                  <a:fillRect b="-7143"/>
+                  <a:fillRect b="-8696"/>
                 </a:stretch>
               </a:blipFill>
             </p:spPr>
@@ -4579,8 +4436,8 @@
           </a:fontRef>
         </p:style>
       </p:cxnSp>
-      <mc:AlternateContent xmlns:mc="http://schemas.openxmlformats.org/markup-compatibility/2006">
-        <mc:Choice xmlns:a14="http://schemas.microsoft.com/office/drawing/2010/main" Requires="a14">
+      <mc:AlternateContent xmlns:mc="http://schemas.openxmlformats.org/markup-compatibility/2006" xmlns:a14="http://schemas.microsoft.com/office/drawing/2010/main">
+        <mc:Choice Requires="a14">
           <p:sp>
             <p:nvSpPr>
               <p:cNvPr id="107" name="TextBox 106"/>
@@ -4603,6 +4460,7 @@
               </a:bodyPr>
               <a:lstStyle/>
               <a:p>
+                <a:pPr/>
                 <a14:m>
                   <m:oMathPara xmlns:m="http://schemas.openxmlformats.org/officeDocument/2006/math">
                     <m:oMathParaPr>
@@ -4665,7 +4523,7 @@
             </p:txBody>
           </p:sp>
         </mc:Choice>
-        <mc:Fallback>
+        <mc:Fallback xmlns="">
           <p:sp>
             <p:nvSpPr>
               <p:cNvPr id="107" name="TextBox 106"/>
@@ -4704,8 +4562,8 @@
           </p:sp>
         </mc:Fallback>
       </mc:AlternateContent>
-      <mc:AlternateContent xmlns:mc="http://schemas.openxmlformats.org/markup-compatibility/2006">
-        <mc:Choice xmlns:a14="http://schemas.microsoft.com/office/drawing/2010/main" Requires="a14">
+      <mc:AlternateContent xmlns:mc="http://schemas.openxmlformats.org/markup-compatibility/2006" xmlns:a14="http://schemas.microsoft.com/office/drawing/2010/main">
+        <mc:Choice Requires="a14">
           <p:sp>
             <p:nvSpPr>
               <p:cNvPr id="108" name="TextBox 107"/>
@@ -4802,7 +4660,7 @@
             </p:txBody>
           </p:sp>
         </mc:Choice>
-        <mc:Fallback>
+        <mc:Fallback xmlns="">
           <p:sp>
             <p:nvSpPr>
               <p:cNvPr id="108" name="TextBox 107"/>
@@ -4841,8 +4699,8 @@
           </p:sp>
         </mc:Fallback>
       </mc:AlternateContent>
-      <mc:AlternateContent xmlns:mc="http://schemas.openxmlformats.org/markup-compatibility/2006">
-        <mc:Choice xmlns:a14="http://schemas.microsoft.com/office/drawing/2010/main" Requires="a14">
+      <mc:AlternateContent xmlns:mc="http://schemas.openxmlformats.org/markup-compatibility/2006" xmlns:a14="http://schemas.microsoft.com/office/drawing/2010/main">
+        <mc:Choice Requires="a14">
           <p:sp>
             <p:nvSpPr>
               <p:cNvPr id="109" name="TextBox 108"/>
@@ -4865,6 +4723,7 @@
               </a:bodyPr>
               <a:lstStyle/>
               <a:p>
+                <a:pPr/>
                 <a14:m>
                   <m:oMathPara xmlns:m="http://schemas.openxmlformats.org/officeDocument/2006/math">
                     <m:oMathParaPr>
@@ -4927,7 +4786,7 @@
             </p:txBody>
           </p:sp>
         </mc:Choice>
-        <mc:Fallback>
+        <mc:Fallback xmlns="">
           <p:sp>
             <p:nvSpPr>
               <p:cNvPr id="109" name="TextBox 108"/>
@@ -4966,8 +4825,8 @@
           </p:sp>
         </mc:Fallback>
       </mc:AlternateContent>
-      <mc:AlternateContent xmlns:mc="http://schemas.openxmlformats.org/markup-compatibility/2006">
-        <mc:Choice xmlns:a14="http://schemas.microsoft.com/office/drawing/2010/main" Requires="a14">
+      <mc:AlternateContent xmlns:mc="http://schemas.openxmlformats.org/markup-compatibility/2006" xmlns:a14="http://schemas.microsoft.com/office/drawing/2010/main">
+        <mc:Choice Requires="a14">
           <p:sp>
             <p:nvSpPr>
               <p:cNvPr id="110" name="TextBox 109"/>
@@ -5058,7 +4917,7 @@
             </p:txBody>
           </p:sp>
         </mc:Choice>
-        <mc:Fallback>
+        <mc:Fallback xmlns="">
           <p:sp>
             <p:nvSpPr>
               <p:cNvPr id="110" name="TextBox 109"/>
@@ -5097,8 +4956,8 @@
           </p:sp>
         </mc:Fallback>
       </mc:AlternateContent>
-      <mc:AlternateContent xmlns:mc="http://schemas.openxmlformats.org/markup-compatibility/2006">
-        <mc:Choice xmlns:a14="http://schemas.microsoft.com/office/drawing/2010/main" Requires="a14">
+      <mc:AlternateContent xmlns:mc="http://schemas.openxmlformats.org/markup-compatibility/2006" xmlns:a14="http://schemas.microsoft.com/office/drawing/2010/main">
+        <mc:Choice Requires="a14">
           <p:sp>
             <p:nvSpPr>
               <p:cNvPr id="112" name="TextBox 111"/>
@@ -5170,13 +5029,7 @@
                       <a:rPr lang="en-GB" b="0" i="0" dirty="0" smtClean="0">
                         <a:latin typeface="Cambria Math" panose="02040503050406030204" pitchFamily="18" charset="0"/>
                       </a:rPr>
-                      <m:t>, </m:t>
-                    </m:r>
-                    <m:r>
-                      <a:rPr lang="en-GB" b="0" i="0" dirty="0" smtClean="0">
-                        <a:latin typeface="Cambria Math" panose="02040503050406030204" pitchFamily="18" charset="0"/>
-                      </a:rPr>
-                      <m:t>|</m:t>
+                      <m:t>, |</m:t>
                     </m:r>
                     <m:r>
                       <a:rPr lang="en-GB" b="0" i="1" dirty="0" smtClean="0">
@@ -5238,7 +5091,7 @@
             </p:txBody>
           </p:sp>
         </mc:Choice>
-        <mc:Fallback>
+        <mc:Fallback xmlns="">
           <p:sp>
             <p:nvSpPr>
               <p:cNvPr id="112" name="TextBox 111"/>
@@ -5320,8 +5173,8 @@
         </p:nvCxnSpPr>
         <p:spPr>
           <a:xfrm>
-            <a:off x="8769371" y="1696269"/>
-            <a:ext cx="2" cy="248166"/>
+            <a:off x="8769371" y="1708969"/>
+            <a:ext cx="2" cy="230400"/>
           </a:xfrm>
           <a:prstGeom prst="straightConnector1">
             <a:avLst/>
@@ -5392,7 +5245,7 @@
         </p:nvSpPr>
         <p:spPr>
           <a:xfrm>
-            <a:off x="10236200" y="743896"/>
+            <a:off x="10236200" y="704707"/>
             <a:ext cx="778476" cy="923330"/>
           </a:xfrm>
           <a:prstGeom prst="rect">
@@ -5427,8 +5280,8 @@
           </a:p>
         </p:txBody>
       </p:sp>
-      <mc:AlternateContent xmlns:mc="http://schemas.openxmlformats.org/markup-compatibility/2006">
-        <mc:Choice xmlns:a14="http://schemas.microsoft.com/office/drawing/2010/main" Requires="a14">
+      <mc:AlternateContent xmlns:mc="http://schemas.openxmlformats.org/markup-compatibility/2006" xmlns:a14="http://schemas.microsoft.com/office/drawing/2010/main">
+        <mc:Choice Requires="a14">
           <p:sp>
             <p:nvSpPr>
               <p:cNvPr id="140" name="TextBox 139"/>
@@ -5437,7 +5290,7 @@
             </p:nvSpPr>
             <p:spPr>
               <a:xfrm>
-                <a:off x="11028053" y="909458"/>
+                <a:off x="11028053" y="831080"/>
                 <a:ext cx="627017" cy="369332"/>
               </a:xfrm>
               <a:prstGeom prst="rect">
@@ -5451,6 +5304,7 @@
               </a:bodyPr>
               <a:lstStyle/>
               <a:p>
+                <a:pPr/>
                 <a14:m>
                   <m:oMathPara xmlns:m="http://schemas.openxmlformats.org/officeDocument/2006/math">
                     <m:oMathParaPr>
@@ -5501,7 +5355,7 @@
             </p:txBody>
           </p:sp>
         </mc:Choice>
-        <mc:Fallback>
+        <mc:Fallback xmlns="">
           <p:sp>
             <p:nvSpPr>
               <p:cNvPr id="140" name="TextBox 139"/>
@@ -5512,7 +5366,7 @@
             </p:nvSpPr>
             <p:spPr>
               <a:xfrm>
-                <a:off x="11028053" y="909458"/>
+                <a:off x="11028053" y="831080"/>
                 <a:ext cx="627017" cy="369332"/>
               </a:xfrm>
               <a:prstGeom prst="rect">
@@ -5548,7 +5402,7 @@
         </p:nvCxnSpPr>
         <p:spPr>
           <a:xfrm>
-            <a:off x="11023200" y="1261456"/>
+            <a:off x="11023200" y="1170015"/>
             <a:ext cx="627017" cy="0"/>
           </a:xfrm>
           <a:prstGeom prst="straightConnector1">
@@ -5612,42 +5466,6 @@
           </a:p>
         </p:txBody>
       </p:sp>
-      <p:cxnSp>
-        <p:nvCxnSpPr>
-          <p:cNvPr id="149" name="Straight Arrow Connector 148"/>
-          <p:cNvCxnSpPr/>
-          <p:nvPr/>
-        </p:nvCxnSpPr>
-        <p:spPr>
-          <a:xfrm>
-            <a:off x="2065295" y="1501955"/>
-            <a:ext cx="976534" cy="0"/>
-          </a:xfrm>
-          <a:prstGeom prst="straightConnector1">
-            <a:avLst/>
-          </a:prstGeom>
-          <a:ln>
-            <a:solidFill>
-              <a:schemeClr val="tx1"/>
-            </a:solidFill>
-            <a:tailEnd type="triangle"/>
-          </a:ln>
-        </p:spPr>
-        <p:style>
-          <a:lnRef idx="1">
-            <a:schemeClr val="accent1"/>
-          </a:lnRef>
-          <a:fillRef idx="0">
-            <a:schemeClr val="accent1"/>
-          </a:fillRef>
-          <a:effectRef idx="0">
-            <a:schemeClr val="accent1"/>
-          </a:effectRef>
-          <a:fontRef idx="minor">
-            <a:schemeClr val="tx1"/>
-          </a:fontRef>
-        </p:style>
-      </p:cxnSp>
       <p:cxnSp>
         <p:nvCxnSpPr>
           <p:cNvPr id="151" name="Straight Arrow Connector 150"/>
@@ -5686,6 +5504,108 @@
           </a:fontRef>
         </p:style>
       </p:cxnSp>
+      <mc:AlternateContent xmlns:mc="http://schemas.openxmlformats.org/markup-compatibility/2006" xmlns:a14="http://schemas.microsoft.com/office/drawing/2010/main">
+        <mc:Choice Requires="a14">
+          <p:sp>
+            <p:nvSpPr>
+              <p:cNvPr id="44" name="TextBox 43"/>
+              <p:cNvSpPr txBox="1"/>
+              <p:nvPr/>
+            </p:nvSpPr>
+            <p:spPr>
+              <a:xfrm>
+                <a:off x="3743316" y="3918644"/>
+                <a:ext cx="627017" cy="369332"/>
+              </a:xfrm>
+              <a:prstGeom prst="rect">
+                <a:avLst/>
+              </a:prstGeom>
+              <a:noFill/>
+            </p:spPr>
+            <p:txBody>
+              <a:bodyPr wrap="square" rtlCol="0">
+                <a:spAutoFit/>
+              </a:bodyPr>
+              <a:lstStyle/>
+              <a:p>
+                <a:pPr/>
+                <a14:m>
+                  <m:oMathPara xmlns:m="http://schemas.openxmlformats.org/officeDocument/2006/math">
+                    <m:oMathParaPr>
+                      <m:jc m:val="centerGroup"/>
+                    </m:oMathParaPr>
+                    <m:oMath xmlns:m="http://schemas.openxmlformats.org/officeDocument/2006/math">
+                      <m:r>
+                        <a:rPr lang="en-GB" b="0" i="1" dirty="0" smtClean="0">
+                          <a:latin typeface="Cambria Math" panose="02040503050406030204" pitchFamily="18" charset="0"/>
+                        </a:rPr>
+                        <m:t>𝑠</m:t>
+                      </m:r>
+                      <m:r>
+                        <a:rPr lang="en-GB" i="1" dirty="0" smtClean="0">
+                          <a:latin typeface="Cambria Math" panose="02040503050406030204" pitchFamily="18" charset="0"/>
+                        </a:rPr>
+                        <m:t>(</m:t>
+                      </m:r>
+                      <m:r>
+                        <a:rPr lang="en-GB" i="1" dirty="0" smtClean="0">
+                          <a:latin typeface="Cambria Math" panose="02040503050406030204" pitchFamily="18" charset="0"/>
+                        </a:rPr>
+                        <m:t>𝑛</m:t>
+                      </m:r>
+                      <m:r>
+                        <a:rPr lang="en-GB" i="1" dirty="0" smtClean="0">
+                          <a:latin typeface="Cambria Math" panose="02040503050406030204" pitchFamily="18" charset="0"/>
+                        </a:rPr>
+                        <m:t>)</m:t>
+                      </m:r>
+                    </m:oMath>
+                  </m:oMathPara>
+                </a14:m>
+                <a:endParaRPr lang="en-GB" i="1" dirty="0"/>
+              </a:p>
+            </p:txBody>
+          </p:sp>
+        </mc:Choice>
+        <mc:Fallback xmlns="">
+          <p:sp>
+            <p:nvSpPr>
+              <p:cNvPr id="44" name="TextBox 43"/>
+              <p:cNvSpPr txBox="1">
+                <a:spLocks noRot="1" noChangeAspect="1" noMove="1" noResize="1" noEditPoints="1" noAdjustHandles="1" noChangeArrowheads="1" noChangeShapeType="1" noTextEdit="1"/>
+              </p:cNvSpPr>
+              <p:nvPr/>
+            </p:nvSpPr>
+            <p:spPr>
+              <a:xfrm>
+                <a:off x="3743316" y="3918644"/>
+                <a:ext cx="627017" cy="369332"/>
+              </a:xfrm>
+              <a:prstGeom prst="rect">
+                <a:avLst/>
+              </a:prstGeom>
+              <a:blipFill rotWithShape="0">
+                <a:blip r:embed="rId15"/>
+                <a:stretch>
+                  <a:fillRect r="-2913" b="-13333"/>
+                </a:stretch>
+              </a:blipFill>
+            </p:spPr>
+            <p:txBody>
+              <a:bodyPr/>
+              <a:lstStyle/>
+              <a:p>
+                <a:r>
+                  <a:rPr lang="en-GB">
+                    <a:noFill/>
+                  </a:rPr>
+                  <a:t> </a:t>
+                </a:r>
+              </a:p>
+            </p:txBody>
+          </p:sp>
+        </mc:Fallback>
+      </mc:AlternateContent>
     </p:spTree>
     <p:extLst>
       <p:ext uri="{BB962C8B-B14F-4D97-AF65-F5344CB8AC3E}">

--- a/Final Report/block diagram BMMDKF.pptx
+++ b/Final Report/block diagram BMMDKF.pptx
@@ -243,7 +243,7 @@
           <a:p>
             <a:fld id="{4823A0FC-238D-4E66-BF36-A12D4DEDFE4F}" type="datetimeFigureOut">
               <a:rPr lang="en-GB" smtClean="0"/>
-              <a:t>11/06/2017</a:t>
+              <a:t>20/06/2017</a:t>
             </a:fld>
             <a:endParaRPr lang="en-GB"/>
           </a:p>
@@ -413,7 +413,7 @@
           <a:p>
             <a:fld id="{4823A0FC-238D-4E66-BF36-A12D4DEDFE4F}" type="datetimeFigureOut">
               <a:rPr lang="en-GB" smtClean="0"/>
-              <a:t>11/06/2017</a:t>
+              <a:t>20/06/2017</a:t>
             </a:fld>
             <a:endParaRPr lang="en-GB"/>
           </a:p>
@@ -593,7 +593,7 @@
           <a:p>
             <a:fld id="{4823A0FC-238D-4E66-BF36-A12D4DEDFE4F}" type="datetimeFigureOut">
               <a:rPr lang="en-GB" smtClean="0"/>
-              <a:t>11/06/2017</a:t>
+              <a:t>20/06/2017</a:t>
             </a:fld>
             <a:endParaRPr lang="en-GB"/>
           </a:p>
@@ -763,7 +763,7 @@
           <a:p>
             <a:fld id="{4823A0FC-238D-4E66-BF36-A12D4DEDFE4F}" type="datetimeFigureOut">
               <a:rPr lang="en-GB" smtClean="0"/>
-              <a:t>11/06/2017</a:t>
+              <a:t>20/06/2017</a:t>
             </a:fld>
             <a:endParaRPr lang="en-GB"/>
           </a:p>
@@ -1009,7 +1009,7 @@
           <a:p>
             <a:fld id="{4823A0FC-238D-4E66-BF36-A12D4DEDFE4F}" type="datetimeFigureOut">
               <a:rPr lang="en-GB" smtClean="0"/>
-              <a:t>11/06/2017</a:t>
+              <a:t>20/06/2017</a:t>
             </a:fld>
             <a:endParaRPr lang="en-GB"/>
           </a:p>
@@ -1241,7 +1241,7 @@
           <a:p>
             <a:fld id="{4823A0FC-238D-4E66-BF36-A12D4DEDFE4F}" type="datetimeFigureOut">
               <a:rPr lang="en-GB" smtClean="0"/>
-              <a:t>11/06/2017</a:t>
+              <a:t>20/06/2017</a:t>
             </a:fld>
             <a:endParaRPr lang="en-GB"/>
           </a:p>
@@ -1608,7 +1608,7 @@
           <a:p>
             <a:fld id="{4823A0FC-238D-4E66-BF36-A12D4DEDFE4F}" type="datetimeFigureOut">
               <a:rPr lang="en-GB" smtClean="0"/>
-              <a:t>11/06/2017</a:t>
+              <a:t>20/06/2017</a:t>
             </a:fld>
             <a:endParaRPr lang="en-GB"/>
           </a:p>
@@ -1726,7 +1726,7 @@
           <a:p>
             <a:fld id="{4823A0FC-238D-4E66-BF36-A12D4DEDFE4F}" type="datetimeFigureOut">
               <a:rPr lang="en-GB" smtClean="0"/>
-              <a:t>11/06/2017</a:t>
+              <a:t>20/06/2017</a:t>
             </a:fld>
             <a:endParaRPr lang="en-GB"/>
           </a:p>
@@ -1821,7 +1821,7 @@
           <a:p>
             <a:fld id="{4823A0FC-238D-4E66-BF36-A12D4DEDFE4F}" type="datetimeFigureOut">
               <a:rPr lang="en-GB" smtClean="0"/>
-              <a:t>11/06/2017</a:t>
+              <a:t>20/06/2017</a:t>
             </a:fld>
             <a:endParaRPr lang="en-GB"/>
           </a:p>
@@ -2098,7 +2098,7 @@
           <a:p>
             <a:fld id="{4823A0FC-238D-4E66-BF36-A12D4DEDFE4F}" type="datetimeFigureOut">
               <a:rPr lang="en-GB" smtClean="0"/>
-              <a:t>11/06/2017</a:t>
+              <a:t>20/06/2017</a:t>
             </a:fld>
             <a:endParaRPr lang="en-GB"/>
           </a:p>
@@ -2351,7 +2351,7 @@
           <a:p>
             <a:fld id="{4823A0FC-238D-4E66-BF36-A12D4DEDFE4F}" type="datetimeFigureOut">
               <a:rPr lang="en-GB" smtClean="0"/>
-              <a:t>11/06/2017</a:t>
+              <a:t>20/06/2017</a:t>
             </a:fld>
             <a:endParaRPr lang="en-GB"/>
           </a:p>
@@ -2564,7 +2564,7 @@
           <a:p>
             <a:fld id="{4823A0FC-238D-4E66-BF36-A12D4DEDFE4F}" type="datetimeFigureOut">
               <a:rPr lang="en-GB" smtClean="0"/>
-              <a:t>11/06/2017</a:t>
+              <a:t>20/06/2017</a:t>
             </a:fld>
             <a:endParaRPr lang="en-GB"/>
           </a:p>
@@ -4699,8 +4699,8 @@
           </p:sp>
         </mc:Fallback>
       </mc:AlternateContent>
-      <mc:AlternateContent xmlns:mc="http://schemas.openxmlformats.org/markup-compatibility/2006" xmlns:a14="http://schemas.microsoft.com/office/drawing/2010/main">
-        <mc:Choice Requires="a14">
+      <mc:AlternateContent xmlns:mc="http://schemas.openxmlformats.org/markup-compatibility/2006">
+        <mc:Choice xmlns:a14="http://schemas.microsoft.com/office/drawing/2010/main" Requires="a14">
           <p:sp>
             <p:nvSpPr>
               <p:cNvPr id="109" name="TextBox 108"/>
@@ -4709,7 +4709,7 @@
             </p:nvSpPr>
             <p:spPr>
               <a:xfrm>
-                <a:off x="4453387" y="1392931"/>
+                <a:off x="4453387" y="2060195"/>
                 <a:ext cx="1526548" cy="369332"/>
               </a:xfrm>
               <a:prstGeom prst="rect">
@@ -4786,7 +4786,7 @@
             </p:txBody>
           </p:sp>
         </mc:Choice>
-        <mc:Fallback xmlns="">
+        <mc:Fallback>
           <p:sp>
             <p:nvSpPr>
               <p:cNvPr id="109" name="TextBox 108"/>
@@ -4797,7 +4797,7 @@
             </p:nvSpPr>
             <p:spPr>
               <a:xfrm>
-                <a:off x="4453387" y="1392931"/>
+                <a:off x="4453387" y="2060195"/>
                 <a:ext cx="1526548" cy="369332"/>
               </a:xfrm>
               <a:prstGeom prst="rect">
@@ -4806,7 +4806,7 @@
               <a:blipFill rotWithShape="0">
                 <a:blip r:embed="rId11"/>
                 <a:stretch>
-                  <a:fillRect b="-13115"/>
+                  <a:fillRect b="-11475"/>
                 </a:stretch>
               </a:blipFill>
             </p:spPr>
@@ -4825,8 +4825,8 @@
           </p:sp>
         </mc:Fallback>
       </mc:AlternateContent>
-      <mc:AlternateContent xmlns:mc="http://schemas.openxmlformats.org/markup-compatibility/2006" xmlns:a14="http://schemas.microsoft.com/office/drawing/2010/main">
-        <mc:Choice Requires="a14">
+      <mc:AlternateContent xmlns:mc="http://schemas.openxmlformats.org/markup-compatibility/2006">
+        <mc:Choice xmlns:a14="http://schemas.microsoft.com/office/drawing/2010/main" Requires="a14">
           <p:sp>
             <p:nvSpPr>
               <p:cNvPr id="110" name="TextBox 109"/>
@@ -4835,7 +4835,7 @@
             </p:nvSpPr>
             <p:spPr>
               <a:xfrm>
-                <a:off x="4396437" y="1659390"/>
+                <a:off x="4396437" y="2326654"/>
                 <a:ext cx="1652029" cy="369332"/>
               </a:xfrm>
               <a:prstGeom prst="rect">
@@ -4917,7 +4917,7 @@
             </p:txBody>
           </p:sp>
         </mc:Choice>
-        <mc:Fallback xmlns="">
+        <mc:Fallback>
           <p:sp>
             <p:nvSpPr>
               <p:cNvPr id="110" name="TextBox 109"/>
@@ -4928,7 +4928,7 @@
             </p:nvSpPr>
             <p:spPr>
               <a:xfrm>
-                <a:off x="4396437" y="1659390"/>
+                <a:off x="4396437" y="2326654"/>
                 <a:ext cx="1652029" cy="369332"/>
               </a:xfrm>
               <a:prstGeom prst="rect">
@@ -4937,7 +4937,7 @@
               <a:blipFill rotWithShape="0">
                 <a:blip r:embed="rId12"/>
                 <a:stretch>
-                  <a:fillRect l="-1107" b="-13115"/>
+                  <a:fillRect l="-1107" b="-13333"/>
                 </a:stretch>
               </a:blipFill>
             </p:spPr>
@@ -5438,7 +5438,7 @@
         </p:nvSpPr>
         <p:spPr>
           <a:xfrm>
-            <a:off x="4672506" y="2095033"/>
+            <a:off x="4672506" y="1526620"/>
             <a:ext cx="730676" cy="430887"/>
           </a:xfrm>
           <a:prstGeom prst="rect">
@@ -5476,7 +5476,7 @@
         </p:nvCxnSpPr>
         <p:spPr>
           <a:xfrm flipV="1">
-            <a:off x="5403182" y="2309813"/>
+            <a:off x="5403182" y="1741400"/>
             <a:ext cx="549944" cy="664"/>
           </a:xfrm>
           <a:prstGeom prst="straightConnector1">
